--- a/Sat_Data_Science/DS-Day-06 R.pptx
+++ b/Sat_Data_Science/DS-Day-06 R.pptx
@@ -5,15 +5,13 @@
     <p:sldMasterId id="2147483781" r:id="rId1"/>
   </p:sldMasterIdLst>
   <p:notesMasterIdLst>
-    <p:notesMasterId r:id="rId8"/>
+    <p:notesMasterId r:id="rId6"/>
   </p:notesMasterIdLst>
   <p:sldIdLst>
     <p:sldId id="286" r:id="rId2"/>
     <p:sldId id="282" r:id="rId3"/>
     <p:sldId id="283" r:id="rId4"/>
     <p:sldId id="277" r:id="rId5"/>
-    <p:sldId id="285" r:id="rId6"/>
-    <p:sldId id="287" r:id="rId7"/>
   </p:sldIdLst>
   <p:sldSz cx="9144000" cy="6858000" type="screen4x3"/>
   <p:notesSz cx="6858000" cy="9144000"/>
@@ -202,7 +200,7 @@
           <a:p>
             <a:fld id="{22783AA6-C1EF-448D-A48A-EF30DCBEFCCC}" type="datetimeFigureOut">
               <a:rPr lang="en-US" smtClean="0"/>
-              <a:t>10/12/2018</a:t>
+              <a:t>10/13/2018</a:t>
             </a:fld>
             <a:endParaRPr lang="en-US"/>
           </a:p>
@@ -878,210 +876,6 @@
 </p:notes>
 </file>
 
-<file path=ppt/notesSlides/notesSlide5.xml><?xml version="1.0" encoding="utf-8"?>
-<p:notes xmlns:a="http://schemas.openxmlformats.org/drawingml/2006/main" xmlns:r="http://schemas.openxmlformats.org/officeDocument/2006/relationships" xmlns:p="http://schemas.openxmlformats.org/presentationml/2006/main">
-  <p:cSld>
-    <p:spTree>
-      <p:nvGrpSpPr>
-        <p:cNvPr id="1" name=""/>
-        <p:cNvGrpSpPr/>
-        <p:nvPr/>
-      </p:nvGrpSpPr>
-      <p:grpSpPr>
-        <a:xfrm>
-          <a:off x="0" y="0"/>
-          <a:ext cx="0" cy="0"/>
-          <a:chOff x="0" y="0"/>
-          <a:chExt cx="0" cy="0"/>
-        </a:xfrm>
-      </p:grpSpPr>
-      <p:sp>
-        <p:nvSpPr>
-          <p:cNvPr id="2" name="Образ слайда 1"/>
-          <p:cNvSpPr>
-            <a:spLocks noGrp="1" noRot="1" noChangeAspect="1"/>
-          </p:cNvSpPr>
-          <p:nvPr>
-            <p:ph type="sldImg"/>
-          </p:nvPr>
-        </p:nvSpPr>
-        <p:spPr>
-          <a:xfrm>
-            <a:off x="896938" y="746125"/>
-            <a:ext cx="4967287" cy="3727450"/>
-          </a:xfrm>
-        </p:spPr>
-      </p:sp>
-      <p:sp>
-        <p:nvSpPr>
-          <p:cNvPr id="3" name="Заметки 2"/>
-          <p:cNvSpPr>
-            <a:spLocks noGrp="1"/>
-          </p:cNvSpPr>
-          <p:nvPr>
-            <p:ph type="body" idx="1"/>
-          </p:nvPr>
-        </p:nvSpPr>
-        <p:spPr/>
-        <p:txBody>
-          <a:bodyPr>
-            <a:normAutofit/>
-          </a:bodyPr>
-          <a:lstStyle/>
-          <a:p>
-            <a:endParaRPr lang="ru-RU" sz="1400" dirty="0">
-              <a:latin typeface="+mn-lt"/>
-            </a:endParaRPr>
-          </a:p>
-        </p:txBody>
-      </p:sp>
-      <p:sp>
-        <p:nvSpPr>
-          <p:cNvPr id="4" name="Номер слайда 3"/>
-          <p:cNvSpPr>
-            <a:spLocks noGrp="1"/>
-          </p:cNvSpPr>
-          <p:nvPr>
-            <p:ph type="sldNum" sz="quarter" idx="10"/>
-          </p:nvPr>
-        </p:nvSpPr>
-        <p:spPr/>
-        <p:txBody>
-          <a:bodyPr/>
-          <a:lstStyle/>
-          <a:p>
-            <a:fld id="{A868C670-7DD8-483E-B635-2FC3EA348D84}" type="slidenum">
-              <a:rPr lang="ru-RU" smtClean="0">
-                <a:solidFill>
-                  <a:prstClr val="black"/>
-                </a:solidFill>
-              </a:rPr>
-              <a:pPr/>
-              <a:t>5</a:t>
-            </a:fld>
-            <a:endParaRPr lang="ru-RU">
-              <a:solidFill>
-                <a:prstClr val="black"/>
-              </a:solidFill>
-            </a:endParaRPr>
-          </a:p>
-        </p:txBody>
-      </p:sp>
-    </p:spTree>
-    <p:extLst>
-      <p:ext uri="{BB962C8B-B14F-4D97-AF65-F5344CB8AC3E}">
-        <p14:creationId xmlns:p14="http://schemas.microsoft.com/office/powerpoint/2010/main" val="1267656511"/>
-      </p:ext>
-    </p:extLst>
-  </p:cSld>
-  <p:clrMapOvr>
-    <a:masterClrMapping/>
-  </p:clrMapOvr>
-</p:notes>
-</file>
-
-<file path=ppt/notesSlides/notesSlide6.xml><?xml version="1.0" encoding="utf-8"?>
-<p:notes xmlns:a="http://schemas.openxmlformats.org/drawingml/2006/main" xmlns:r="http://schemas.openxmlformats.org/officeDocument/2006/relationships" xmlns:p="http://schemas.openxmlformats.org/presentationml/2006/main">
-  <p:cSld>
-    <p:spTree>
-      <p:nvGrpSpPr>
-        <p:cNvPr id="1" name=""/>
-        <p:cNvGrpSpPr/>
-        <p:nvPr/>
-      </p:nvGrpSpPr>
-      <p:grpSpPr>
-        <a:xfrm>
-          <a:off x="0" y="0"/>
-          <a:ext cx="0" cy="0"/>
-          <a:chOff x="0" y="0"/>
-          <a:chExt cx="0" cy="0"/>
-        </a:xfrm>
-      </p:grpSpPr>
-      <p:sp>
-        <p:nvSpPr>
-          <p:cNvPr id="2" name="Образ слайда 1"/>
-          <p:cNvSpPr>
-            <a:spLocks noGrp="1" noRot="1" noChangeAspect="1"/>
-          </p:cNvSpPr>
-          <p:nvPr>
-            <p:ph type="sldImg"/>
-          </p:nvPr>
-        </p:nvSpPr>
-        <p:spPr>
-          <a:xfrm>
-            <a:off x="896938" y="746125"/>
-            <a:ext cx="4967287" cy="3727450"/>
-          </a:xfrm>
-        </p:spPr>
-      </p:sp>
-      <p:sp>
-        <p:nvSpPr>
-          <p:cNvPr id="3" name="Заметки 2"/>
-          <p:cNvSpPr>
-            <a:spLocks noGrp="1"/>
-          </p:cNvSpPr>
-          <p:nvPr>
-            <p:ph type="body" idx="1"/>
-          </p:nvPr>
-        </p:nvSpPr>
-        <p:spPr/>
-        <p:txBody>
-          <a:bodyPr>
-            <a:normAutofit/>
-          </a:bodyPr>
-          <a:lstStyle/>
-          <a:p>
-            <a:endParaRPr lang="ru-RU" sz="1400" dirty="0">
-              <a:latin typeface="+mn-lt"/>
-            </a:endParaRPr>
-          </a:p>
-        </p:txBody>
-      </p:sp>
-      <p:sp>
-        <p:nvSpPr>
-          <p:cNvPr id="4" name="Номер слайда 3"/>
-          <p:cNvSpPr>
-            <a:spLocks noGrp="1"/>
-          </p:cNvSpPr>
-          <p:nvPr>
-            <p:ph type="sldNum" sz="quarter" idx="10"/>
-          </p:nvPr>
-        </p:nvSpPr>
-        <p:spPr/>
-        <p:txBody>
-          <a:bodyPr/>
-          <a:lstStyle/>
-          <a:p>
-            <a:fld id="{A868C670-7DD8-483E-B635-2FC3EA348D84}" type="slidenum">
-              <a:rPr lang="ru-RU" smtClean="0">
-                <a:solidFill>
-                  <a:prstClr val="black"/>
-                </a:solidFill>
-              </a:rPr>
-              <a:pPr/>
-              <a:t>6</a:t>
-            </a:fld>
-            <a:endParaRPr lang="ru-RU">
-              <a:solidFill>
-                <a:prstClr val="black"/>
-              </a:solidFill>
-            </a:endParaRPr>
-          </a:p>
-        </p:txBody>
-      </p:sp>
-    </p:spTree>
-    <p:extLst>
-      <p:ext uri="{BB962C8B-B14F-4D97-AF65-F5344CB8AC3E}">
-        <p14:creationId xmlns:p14="http://schemas.microsoft.com/office/powerpoint/2010/main" val="112924858"/>
-      </p:ext>
-    </p:extLst>
-  </p:cSld>
-  <p:clrMapOvr>
-    <a:masterClrMapping/>
-  </p:clrMapOvr>
-</p:notes>
-</file>
-
 <file path=ppt/slideLayouts/slideLayout1.xml><?xml version="1.0" encoding="utf-8"?>
 <p:sldLayout xmlns:a="http://schemas.openxmlformats.org/drawingml/2006/main" xmlns:r="http://schemas.openxmlformats.org/officeDocument/2006/relationships" xmlns:p="http://schemas.openxmlformats.org/presentationml/2006/main" type="title" preserve="1">
   <p:cSld name="Титульный слайд">
@@ -1224,7 +1018,7 @@
           <a:p>
             <a:fld id="{C14F4D0B-68E4-4C14-BD4D-319F9BD213A3}" type="datetimeFigureOut">
               <a:rPr lang="ru-RU" smtClean="0"/>
-              <a:t>12.10.2018</a:t>
+              <a:t>13.10.2018</a:t>
             </a:fld>
             <a:endParaRPr lang="ru-RU"/>
           </a:p>
@@ -1394,7 +1188,7 @@
           <a:p>
             <a:fld id="{C14F4D0B-68E4-4C14-BD4D-319F9BD213A3}" type="datetimeFigureOut">
               <a:rPr lang="ru-RU" smtClean="0"/>
-              <a:t>12.10.2018</a:t>
+              <a:t>13.10.2018</a:t>
             </a:fld>
             <a:endParaRPr lang="ru-RU"/>
           </a:p>
@@ -1574,7 +1368,7 @@
           <a:p>
             <a:fld id="{C14F4D0B-68E4-4C14-BD4D-319F9BD213A3}" type="datetimeFigureOut">
               <a:rPr lang="ru-RU" smtClean="0"/>
-              <a:t>12.10.2018</a:t>
+              <a:t>13.10.2018</a:t>
             </a:fld>
             <a:endParaRPr lang="ru-RU"/>
           </a:p>
@@ -1744,7 +1538,7 @@
           <a:p>
             <a:fld id="{C14F4D0B-68E4-4C14-BD4D-319F9BD213A3}" type="datetimeFigureOut">
               <a:rPr lang="ru-RU" smtClean="0"/>
-              <a:t>12.10.2018</a:t>
+              <a:t>13.10.2018</a:t>
             </a:fld>
             <a:endParaRPr lang="ru-RU"/>
           </a:p>
@@ -1995,7 +1789,7 @@
           <a:p>
             <a:fld id="{C14F4D0B-68E4-4C14-BD4D-319F9BD213A3}" type="datetimeFigureOut">
               <a:rPr lang="ru-RU" smtClean="0"/>
-              <a:t>12.10.2018</a:t>
+              <a:t>13.10.2018</a:t>
             </a:fld>
             <a:endParaRPr lang="ru-RU"/>
           </a:p>
@@ -2227,7 +2021,7 @@
           <a:p>
             <a:fld id="{C14F4D0B-68E4-4C14-BD4D-319F9BD213A3}" type="datetimeFigureOut">
               <a:rPr lang="ru-RU" smtClean="0"/>
-              <a:t>12.10.2018</a:t>
+              <a:t>13.10.2018</a:t>
             </a:fld>
             <a:endParaRPr lang="ru-RU"/>
           </a:p>
@@ -2574,7 +2368,7 @@
           <a:p>
             <a:fld id="{C14F4D0B-68E4-4C14-BD4D-319F9BD213A3}" type="datetimeFigureOut">
               <a:rPr lang="ru-RU" smtClean="0"/>
-              <a:t>12.10.2018</a:t>
+              <a:t>13.10.2018</a:t>
             </a:fld>
             <a:endParaRPr lang="ru-RU"/>
           </a:p>
@@ -2692,7 +2486,7 @@
           <a:p>
             <a:fld id="{C14F4D0B-68E4-4C14-BD4D-319F9BD213A3}" type="datetimeFigureOut">
               <a:rPr lang="ru-RU" smtClean="0"/>
-              <a:t>12.10.2018</a:t>
+              <a:t>13.10.2018</a:t>
             </a:fld>
             <a:endParaRPr lang="ru-RU"/>
           </a:p>
@@ -2810,7 +2604,7 @@
           <a:p>
             <a:fld id="{C14F4D0B-68E4-4C14-BD4D-319F9BD213A3}" type="datetimeFigureOut">
               <a:rPr lang="ru-RU" smtClean="0"/>
-              <a:t>12.10.2018</a:t>
+              <a:t>13.10.2018</a:t>
             </a:fld>
             <a:endParaRPr lang="ru-RU"/>
           </a:p>
@@ -3094,7 +2888,7 @@
           <a:p>
             <a:fld id="{C14F4D0B-68E4-4C14-BD4D-319F9BD213A3}" type="datetimeFigureOut">
               <a:rPr lang="ru-RU" smtClean="0"/>
-              <a:t>12.10.2018</a:t>
+              <a:t>13.10.2018</a:t>
             </a:fld>
             <a:endParaRPr lang="ru-RU"/>
           </a:p>
@@ -3358,7 +3152,7 @@
           <a:p>
             <a:fld id="{C14F4D0B-68E4-4C14-BD4D-319F9BD213A3}" type="datetimeFigureOut">
               <a:rPr lang="ru-RU" smtClean="0"/>
-              <a:t>12.10.2018</a:t>
+              <a:t>13.10.2018</a:t>
             </a:fld>
             <a:endParaRPr lang="ru-RU"/>
           </a:p>
@@ -3572,7 +3366,7 @@
           <a:p>
             <a:fld id="{C14F4D0B-68E4-4C14-BD4D-319F9BD213A3}" type="datetimeFigureOut">
               <a:rPr lang="ru-RU" smtClean="0"/>
-              <a:t>12.10.2018</a:t>
+              <a:t>13.10.2018</a:t>
             </a:fld>
             <a:endParaRPr lang="ru-RU"/>
           </a:p>
@@ -5563,19 +5357,7 @@
             </a:pPr>
             <a:r>
               <a:rPr lang="ru-RU" sz="2400" dirty="0" smtClean="0"/>
-              <a:t>Построить круговую диаграмму </a:t>
-            </a:r>
-            <a:r>
-              <a:rPr lang="ru-RU" sz="2400" dirty="0" smtClean="0"/>
-              <a:t>количества </a:t>
-            </a:r>
-            <a:r>
-              <a:rPr lang="ru-RU" sz="2400" dirty="0" smtClean="0"/>
-              <a:t>пассажиров </a:t>
-            </a:r>
-            <a:r>
-              <a:rPr lang="ru-RU" sz="2400" dirty="0" smtClean="0"/>
-              <a:t>по номеру класса.</a:t>
+              <a:t>Построить круговую диаграмму количества пассажиров по номеру класса.</a:t>
             </a:r>
             <a:endParaRPr lang="en-US" sz="2400" dirty="0" smtClean="0"/>
           </a:p>
@@ -5637,857 +5419,6 @@
     <p:extLst>
       <p:ext uri="{BB962C8B-B14F-4D97-AF65-F5344CB8AC3E}">
         <p14:creationId xmlns:p14="http://schemas.microsoft.com/office/powerpoint/2010/main" val="4069400614"/>
-      </p:ext>
-    </p:extLst>
-  </p:cSld>
-  <p:clrMapOvr>
-    <a:masterClrMapping/>
-  </p:clrMapOvr>
-  <p:timing>
-    <p:tnLst>
-      <p:par>
-        <p:cTn id="1" dur="indefinite" restart="never" nodeType="tmRoot"/>
-      </p:par>
-    </p:tnLst>
-  </p:timing>
-</p:sld>
-</file>
-
-<file path=ppt/slides/slide5.xml><?xml version="1.0" encoding="utf-8"?>
-<p:sld xmlns:a="http://schemas.openxmlformats.org/drawingml/2006/main" xmlns:r="http://schemas.openxmlformats.org/officeDocument/2006/relationships" xmlns:p="http://schemas.openxmlformats.org/presentationml/2006/main">
-  <p:cSld>
-    <p:spTree>
-      <p:nvGrpSpPr>
-        <p:cNvPr id="1" name=""/>
-        <p:cNvGrpSpPr/>
-        <p:nvPr/>
-      </p:nvGrpSpPr>
-      <p:grpSpPr>
-        <a:xfrm>
-          <a:off x="0" y="0"/>
-          <a:ext cx="0" cy="0"/>
-          <a:chOff x="0" y="0"/>
-          <a:chExt cx="0" cy="0"/>
-        </a:xfrm>
-      </p:grpSpPr>
-      <p:grpSp>
-        <p:nvGrpSpPr>
-          <p:cNvPr id="9" name="Группа 8"/>
-          <p:cNvGrpSpPr/>
-          <p:nvPr/>
-        </p:nvGrpSpPr>
-        <p:grpSpPr>
-          <a:xfrm>
-            <a:off x="240030" y="759941"/>
-            <a:ext cx="8583930" cy="83408"/>
-            <a:chOff x="240030" y="759941"/>
-            <a:chExt cx="8583930" cy="83408"/>
-          </a:xfrm>
-        </p:grpSpPr>
-        <p:cxnSp>
-          <p:nvCxnSpPr>
-            <p:cNvPr id="2" name="Прямая соединительная линия 1"/>
-            <p:cNvCxnSpPr/>
-            <p:nvPr/>
-          </p:nvCxnSpPr>
-          <p:spPr>
-            <a:xfrm>
-              <a:off x="560070" y="759941"/>
-              <a:ext cx="8263890" cy="0"/>
-            </a:xfrm>
-            <a:prstGeom prst="line">
-              <a:avLst/>
-            </a:prstGeom>
-            <a:ln w="76200" cap="flat" cmpd="sng" algn="ctr">
-              <a:solidFill>
-                <a:srgbClr val="0064B5"/>
-              </a:solidFill>
-              <a:prstDash val="solid"/>
-              <a:round/>
-              <a:headEnd type="none" w="med" len="sm"/>
-              <a:tailEnd type="none" w="med" len="sm"/>
-            </a:ln>
-          </p:spPr>
-          <p:style>
-            <a:lnRef idx="1">
-              <a:schemeClr val="accent1"/>
-            </a:lnRef>
-            <a:fillRef idx="0">
-              <a:schemeClr val="accent1"/>
-            </a:fillRef>
-            <a:effectRef idx="0">
-              <a:schemeClr val="accent1"/>
-            </a:effectRef>
-            <a:fontRef idx="minor">
-              <a:schemeClr val="tx1"/>
-            </a:fontRef>
-          </p:style>
-        </p:cxnSp>
-        <p:cxnSp>
-          <p:nvCxnSpPr>
-            <p:cNvPr id="3" name="Прямая соединительная линия 2"/>
-            <p:cNvCxnSpPr/>
-            <p:nvPr/>
-          </p:nvCxnSpPr>
-          <p:spPr>
-            <a:xfrm>
-              <a:off x="240030" y="843349"/>
-              <a:ext cx="8286750" cy="0"/>
-            </a:xfrm>
-            <a:prstGeom prst="line">
-              <a:avLst/>
-            </a:prstGeom>
-            <a:ln w="76200" cap="flat" cmpd="sng" algn="ctr">
-              <a:solidFill>
-                <a:srgbClr val="F5A200"/>
-              </a:solidFill>
-              <a:prstDash val="solid"/>
-              <a:round/>
-              <a:headEnd type="none" w="med" len="sm"/>
-              <a:tailEnd type="none" w="med" len="sm"/>
-            </a:ln>
-          </p:spPr>
-          <p:style>
-            <a:lnRef idx="1">
-              <a:schemeClr val="accent1"/>
-            </a:lnRef>
-            <a:fillRef idx="0">
-              <a:schemeClr val="accent1"/>
-            </a:fillRef>
-            <a:effectRef idx="0">
-              <a:schemeClr val="accent1"/>
-            </a:effectRef>
-            <a:fontRef idx="minor">
-              <a:schemeClr val="tx1"/>
-            </a:fontRef>
-          </p:style>
-        </p:cxnSp>
-      </p:grpSp>
-      <p:sp>
-        <p:nvSpPr>
-          <p:cNvPr id="5" name="TextBox 4"/>
-          <p:cNvSpPr txBox="1"/>
-          <p:nvPr/>
-        </p:nvSpPr>
-        <p:spPr>
-          <a:xfrm>
-            <a:off x="491506" y="135310"/>
-            <a:ext cx="8504712" cy="629326"/>
-          </a:xfrm>
-          <a:prstGeom prst="rect">
-            <a:avLst/>
-          </a:prstGeom>
-          <a:noFill/>
-        </p:spPr>
-        <p:txBody>
-          <a:bodyPr vert="horz" wrap="square" lIns="74600" tIns="37300" rIns="74600" bIns="37300" rtlCol="0">
-            <a:spAutoFit/>
-          </a:bodyPr>
-          <a:lstStyle/>
-          <a:p>
-            <a:r>
-              <a:rPr lang="ru-RU" sz="3600" b="1" dirty="0" smtClean="0">
-                <a:solidFill>
-                  <a:srgbClr val="0064B5"/>
-                </a:solidFill>
-                <a:latin typeface="Arial" pitchFamily="34" charset="0"/>
-                <a:cs typeface="Arial" pitchFamily="34" charset="0"/>
-              </a:rPr>
-              <a:t>Нормирование данных</a:t>
-            </a:r>
-            <a:endParaRPr lang="ru-RU" sz="3600" b="1" dirty="0">
-              <a:solidFill>
-                <a:srgbClr val="0064B5"/>
-              </a:solidFill>
-              <a:latin typeface="Arial" pitchFamily="34" charset="0"/>
-              <a:cs typeface="Arial" pitchFamily="34" charset="0"/>
-            </a:endParaRPr>
-          </a:p>
-        </p:txBody>
-      </p:sp>
-      <p:sp>
-        <p:nvSpPr>
-          <p:cNvPr id="4" name="Прямоугольник 3"/>
-          <p:cNvSpPr/>
-          <p:nvPr/>
-        </p:nvSpPr>
-        <p:spPr>
-          <a:xfrm>
-            <a:off x="174140" y="922063"/>
-            <a:ext cx="8649820" cy="830997"/>
-          </a:xfrm>
-          <a:prstGeom prst="rect">
-            <a:avLst/>
-          </a:prstGeom>
-        </p:spPr>
-        <p:txBody>
-          <a:bodyPr wrap="square">
-            <a:spAutoFit/>
-          </a:bodyPr>
-          <a:lstStyle/>
-          <a:p>
-            <a:endParaRPr lang="en-US" sz="2400" dirty="0"/>
-          </a:p>
-          <a:p>
-            <a:pPr marL="457200" indent="-457200">
-              <a:buAutoNum type="arabicPeriod"/>
-            </a:pPr>
-            <a:endParaRPr lang="en-US" sz="2400" dirty="0"/>
-          </a:p>
-        </p:txBody>
-      </p:sp>
-      <mc:AlternateContent xmlns:mc="http://schemas.openxmlformats.org/markup-compatibility/2006" xmlns:a14="http://schemas.microsoft.com/office/drawing/2010/main">
-        <mc:Choice Requires="a14">
-          <p:sp>
-            <p:nvSpPr>
-              <p:cNvPr id="7" name="Прямоугольник 6"/>
-              <p:cNvSpPr/>
-              <p:nvPr/>
-            </p:nvSpPr>
-            <p:spPr>
-              <a:xfrm>
-                <a:off x="174140" y="922063"/>
-                <a:ext cx="8649820" cy="4154984"/>
-              </a:xfrm>
-              <a:prstGeom prst="rect">
-                <a:avLst/>
-              </a:prstGeom>
-            </p:spPr>
-            <p:txBody>
-              <a:bodyPr wrap="square">
-                <a:spAutoFit/>
-              </a:bodyPr>
-              <a:lstStyle/>
-              <a:p>
-                <a:r>
-                  <a:rPr lang="ru-RU" sz="2400" dirty="0" smtClean="0"/>
-                  <a:t>Приведение значений к безразмерной шкале </a:t>
-                </a:r>
-                <a:r>
-                  <a:rPr lang="en-US" sz="2400" dirty="0" smtClean="0"/>
-                  <a:t>[</a:t>
-                </a:r>
-                <a:r>
-                  <a:rPr lang="en-US" sz="2400" dirty="0" err="1" smtClean="0"/>
-                  <a:t>a,b</a:t>
-                </a:r>
-                <a:r>
-                  <a:rPr lang="en-US" sz="2400" dirty="0" smtClean="0"/>
-                  <a:t>]</a:t>
-                </a:r>
-              </a:p>
-              <a:p>
-                <a:r>
-                  <a:rPr lang="en-US" sz="2400" dirty="0" smtClean="0"/>
-                  <a:t>1) </a:t>
-                </a:r>
-                <a:r>
-                  <a:rPr lang="ru-RU" sz="2400" dirty="0" smtClean="0"/>
-                  <a:t>Метод </a:t>
-                </a:r>
-                <a:r>
-                  <a:rPr lang="en-US" sz="2400" dirty="0" smtClean="0"/>
-                  <a:t>min-max;</a:t>
-                </a:r>
-                <a:endParaRPr lang="ru-RU" sz="2400" dirty="0" smtClean="0"/>
-              </a:p>
-              <a:p>
-                <a:r>
-                  <a:rPr lang="en-US" sz="2400" dirty="0" smtClean="0"/>
-                  <a:t>X=(x-min)/(max-min)</a:t>
-                </a:r>
-              </a:p>
-              <a:p>
-                <a:r>
-                  <a:rPr lang="en-US" sz="2400" dirty="0" smtClean="0"/>
-                  <a:t>2) </a:t>
-                </a:r>
-                <a:r>
-                  <a:rPr lang="ru-RU" sz="2400" dirty="0" smtClean="0"/>
-                  <a:t>Стандартизация</a:t>
-                </a:r>
-                <a:r>
-                  <a:rPr lang="en-US" sz="2400" dirty="0" smtClean="0"/>
-                  <a:t>;</a:t>
-                </a:r>
-              </a:p>
-              <a:p>
-                <a:r>
-                  <a:rPr lang="en-US" sz="2400" dirty="0" smtClean="0"/>
-                  <a:t>X</a:t>
-                </a:r>
-                <a14:m>
-                  <m:oMath xmlns:m="http://schemas.openxmlformats.org/officeDocument/2006/math">
-                    <m:r>
-                      <a:rPr lang="en-US" sz="2400" i="1" smtClean="0">
-                        <a:latin typeface="Cambria Math" panose="02040503050406030204" pitchFamily="18" charset="0"/>
-                      </a:rPr>
-                      <m:t>=</m:t>
-                    </m:r>
-                    <m:r>
-                      <a:rPr lang="en-US" sz="2400" b="0" i="1" smtClean="0">
-                        <a:latin typeface="Cambria Math" panose="02040503050406030204" pitchFamily="18" charset="0"/>
-                      </a:rPr>
-                      <m:t>(</m:t>
-                    </m:r>
-                    <m:r>
-                      <a:rPr lang="en-US" sz="2400" b="0" i="1" smtClean="0">
-                        <a:latin typeface="Cambria Math" panose="02040503050406030204" pitchFamily="18" charset="0"/>
-                      </a:rPr>
-                      <m:t>𝑥</m:t>
-                    </m:r>
-                    <m:r>
-                      <a:rPr lang="en-US" sz="2400" b="0" i="1" smtClean="0">
-                        <a:latin typeface="Cambria Math" panose="02040503050406030204" pitchFamily="18" charset="0"/>
-                      </a:rPr>
-                      <m:t>−</m:t>
-                    </m:r>
-                    <m:bar>
-                      <m:barPr>
-                        <m:pos m:val="top"/>
-                        <m:ctrlPr>
-                          <a:rPr lang="en-US" sz="2400" i="1" smtClean="0">
-                            <a:latin typeface="Cambria Math" panose="02040503050406030204" pitchFamily="18" charset="0"/>
-                          </a:rPr>
-                        </m:ctrlPr>
-                      </m:barPr>
-                      <m:e>
-                        <m:r>
-                          <a:rPr lang="en-US" sz="2400" b="0" i="1" smtClean="0">
-                            <a:latin typeface="Cambria Math" panose="02040503050406030204" pitchFamily="18" charset="0"/>
-                          </a:rPr>
-                          <m:t>𝑥</m:t>
-                        </m:r>
-                      </m:e>
-                    </m:bar>
-                    <m:r>
-                      <a:rPr lang="en-US" sz="2400" b="0" i="1" smtClean="0">
-                        <a:latin typeface="Cambria Math" panose="02040503050406030204" pitchFamily="18" charset="0"/>
-                      </a:rPr>
-                      <m:t>)/</m:t>
-                    </m:r>
-                    <m:r>
-                      <a:rPr lang="en-US" sz="2400" b="0" i="1" smtClean="0">
-                        <a:latin typeface="Cambria Math" panose="02040503050406030204" pitchFamily="18" charset="0"/>
-                        <a:ea typeface="Cambria Math" panose="02040503050406030204" pitchFamily="18" charset="0"/>
-                      </a:rPr>
-                      <m:t>𝜎</m:t>
-                    </m:r>
-                  </m:oMath>
-                </a14:m>
-                <a:endParaRPr lang="ru-RU" sz="2400" dirty="0" smtClean="0"/>
-              </a:p>
-              <a:p>
-                <a:r>
-                  <a:rPr lang="en-US" sz="2400" dirty="0" smtClean="0"/>
-                  <a:t>3) </a:t>
-                </a:r>
-                <a:r>
-                  <a:rPr lang="ru-RU" sz="2400" dirty="0" smtClean="0"/>
-                  <a:t>Логистическая нормализация</a:t>
-                </a:r>
-                <a:endParaRPr lang="uk-UA" sz="2400" dirty="0" smtClean="0"/>
-              </a:p>
-              <a:p>
-                <a:r>
-                  <a:rPr lang="en-US" sz="2400" dirty="0" smtClean="0"/>
-                  <a:t>X=(1+e^((</a:t>
-                </a:r>
-                <a14:m>
-                  <m:oMath xmlns:m="http://schemas.openxmlformats.org/officeDocument/2006/math">
-                    <m:bar>
-                      <m:barPr>
-                        <m:pos m:val="top"/>
-                        <m:ctrlPr>
-                          <a:rPr lang="en-US" sz="2400" i="1">
-                            <a:latin typeface="Cambria Math" panose="02040503050406030204" pitchFamily="18" charset="0"/>
-                          </a:rPr>
-                        </m:ctrlPr>
-                      </m:barPr>
-                      <m:e>
-                        <m:r>
-                          <a:rPr lang="en-US" sz="2400" i="1">
-                            <a:latin typeface="Cambria Math" panose="02040503050406030204" pitchFamily="18" charset="0"/>
-                          </a:rPr>
-                          <m:t>𝑥</m:t>
-                        </m:r>
-                      </m:e>
-                    </m:bar>
-                    <m:r>
-                      <a:rPr lang="en-US" sz="2400" b="0" i="0" smtClean="0">
-                        <a:latin typeface="Cambria Math" panose="02040503050406030204" pitchFamily="18" charset="0"/>
-                      </a:rPr>
-                      <m:t>−</m:t>
-                    </m:r>
-                    <m:r>
-                      <a:rPr lang="en-US" sz="2400" i="1">
-                        <a:latin typeface="Cambria Math" panose="02040503050406030204" pitchFamily="18" charset="0"/>
-                      </a:rPr>
-                      <m:t>𝑥</m:t>
-                    </m:r>
-                    <m:r>
-                      <a:rPr lang="en-US" sz="2400" b="0" i="0" smtClean="0">
-                        <a:latin typeface="Cambria Math" panose="02040503050406030204" pitchFamily="18" charset="0"/>
-                      </a:rPr>
-                      <m:t>)/</m:t>
-                    </m:r>
-                    <m:r>
-                      <a:rPr lang="en-US" sz="2400" i="1">
-                        <a:latin typeface="Cambria Math" panose="02040503050406030204" pitchFamily="18" charset="0"/>
-                        <a:ea typeface="Cambria Math" panose="02040503050406030204" pitchFamily="18" charset="0"/>
-                      </a:rPr>
-                      <m:t>𝜎</m:t>
-                    </m:r>
-                    <m:r>
-                      <a:rPr lang="en-US" sz="2400" b="0" i="0" smtClean="0">
-                        <a:latin typeface="Cambria Math" panose="02040503050406030204" pitchFamily="18" charset="0"/>
-                        <a:ea typeface="Cambria Math" panose="02040503050406030204" pitchFamily="18" charset="0"/>
-                      </a:rPr>
-                      <m:t>))</m:t>
-                    </m:r>
-                  </m:oMath>
-                </a14:m>
-                <a:r>
-                  <a:rPr lang="en-US" sz="2400" dirty="0" smtClean="0"/>
-                  <a:t>^(-1)</a:t>
-                </a:r>
-              </a:p>
-              <a:p>
-                <a:r>
-                  <a:rPr lang="uk-UA" sz="2400" dirty="0" smtClean="0"/>
-                  <a:t>Необходима для </a:t>
-                </a:r>
-                <a:r>
-                  <a:rPr lang="uk-UA" sz="2400" dirty="0" err="1" smtClean="0"/>
-                  <a:t>построения</a:t>
-                </a:r>
-                <a:r>
-                  <a:rPr lang="uk-UA" sz="2400" dirty="0" smtClean="0"/>
-                  <a:t> </a:t>
-                </a:r>
-                <a:r>
-                  <a:rPr lang="uk-UA" sz="2400" dirty="0" err="1" smtClean="0"/>
-                  <a:t>агрегирующих</a:t>
-                </a:r>
-                <a:r>
-                  <a:rPr lang="uk-UA" sz="2400" dirty="0" smtClean="0"/>
-                  <a:t> </a:t>
-                </a:r>
-                <a:r>
-                  <a:rPr lang="uk-UA" sz="2400" dirty="0" err="1" smtClean="0"/>
-                  <a:t>функций</a:t>
-                </a:r>
-                <a:r>
-                  <a:rPr lang="uk-UA" sz="2400" dirty="0" smtClean="0"/>
-                  <a:t>, </a:t>
-                </a:r>
-                <a:r>
-                  <a:rPr lang="uk-UA" sz="2400" dirty="0" err="1" smtClean="0"/>
-                  <a:t>нейронн</a:t>
-                </a:r>
-                <a:r>
-                  <a:rPr lang="ru-RU" sz="2400" dirty="0" err="1" smtClean="0"/>
-                  <a:t>ых</a:t>
-                </a:r>
-                <a:r>
-                  <a:rPr lang="ru-RU" sz="2400" dirty="0" smtClean="0"/>
-                  <a:t> сетей, сравнения показателей разных природ и порядков.</a:t>
-                </a:r>
-                <a:endParaRPr lang="en-US" sz="2400" dirty="0"/>
-              </a:p>
-              <a:p>
-                <a:pPr marL="457200" indent="-457200">
-                  <a:buAutoNum type="arabicPeriod"/>
-                </a:pPr>
-                <a:endParaRPr lang="en-US" sz="2400" dirty="0"/>
-              </a:p>
-            </p:txBody>
-          </p:sp>
-        </mc:Choice>
-        <mc:Fallback xmlns="">
-          <p:sp>
-            <p:nvSpPr>
-              <p:cNvPr id="7" name="Прямоугольник 6"/>
-              <p:cNvSpPr>
-                <a:spLocks noRot="1" noChangeAspect="1" noMove="1" noResize="1" noEditPoints="1" noAdjustHandles="1" noChangeArrowheads="1" noChangeShapeType="1" noTextEdit="1"/>
-              </p:cNvSpPr>
-              <p:nvPr/>
-            </p:nvSpPr>
-            <p:spPr>
-              <a:xfrm>
-                <a:off x="174140" y="922063"/>
-                <a:ext cx="8649820" cy="4154984"/>
-              </a:xfrm>
-              <a:prstGeom prst="rect">
-                <a:avLst/>
-              </a:prstGeom>
-              <a:blipFill>
-                <a:blip r:embed="rId3"/>
-                <a:stretch>
-                  <a:fillRect l="-1128" t="-1173"/>
-                </a:stretch>
-              </a:blipFill>
-            </p:spPr>
-            <p:txBody>
-              <a:bodyPr/>
-              <a:lstStyle/>
-              <a:p>
-                <a:r>
-                  <a:rPr lang="en-US">
-                    <a:noFill/>
-                  </a:rPr>
-                  <a:t> </a:t>
-                </a:r>
-              </a:p>
-            </p:txBody>
-          </p:sp>
-        </mc:Fallback>
-      </mc:AlternateContent>
-      <p:pic>
-        <p:nvPicPr>
-          <p:cNvPr id="6" name="Рисунок 5"/>
-          <p:cNvPicPr>
-            <a:picLocks noChangeAspect="1"/>
-          </p:cNvPicPr>
-          <p:nvPr/>
-        </p:nvPicPr>
-        <p:blipFill>
-          <a:blip r:embed="rId4"/>
-          <a:stretch>
-            <a:fillRect/>
-          </a:stretch>
-        </p:blipFill>
-        <p:spPr>
-          <a:xfrm>
-            <a:off x="5988290" y="4381994"/>
-            <a:ext cx="2751950" cy="2751950"/>
-          </a:xfrm>
-          <a:prstGeom prst="rect">
-            <a:avLst/>
-          </a:prstGeom>
-        </p:spPr>
-      </p:pic>
-    </p:spTree>
-    <p:extLst>
-      <p:ext uri="{BB962C8B-B14F-4D97-AF65-F5344CB8AC3E}">
-        <p14:creationId xmlns:p14="http://schemas.microsoft.com/office/powerpoint/2010/main" val="4257961957"/>
-      </p:ext>
-    </p:extLst>
-  </p:cSld>
-  <p:clrMapOvr>
-    <a:masterClrMapping/>
-  </p:clrMapOvr>
-  <p:timing>
-    <p:tnLst>
-      <p:par>
-        <p:cTn id="1" dur="indefinite" restart="never" nodeType="tmRoot"/>
-      </p:par>
-    </p:tnLst>
-  </p:timing>
-</p:sld>
-</file>
-
-<file path=ppt/slides/slide6.xml><?xml version="1.0" encoding="utf-8"?>
-<p:sld xmlns:a="http://schemas.openxmlformats.org/drawingml/2006/main" xmlns:r="http://schemas.openxmlformats.org/officeDocument/2006/relationships" xmlns:p="http://schemas.openxmlformats.org/presentationml/2006/main">
-  <p:cSld>
-    <p:spTree>
-      <p:nvGrpSpPr>
-        <p:cNvPr id="1" name=""/>
-        <p:cNvGrpSpPr/>
-        <p:nvPr/>
-      </p:nvGrpSpPr>
-      <p:grpSpPr>
-        <a:xfrm>
-          <a:off x="0" y="0"/>
-          <a:ext cx="0" cy="0"/>
-          <a:chOff x="0" y="0"/>
-          <a:chExt cx="0" cy="0"/>
-        </a:xfrm>
-      </p:grpSpPr>
-      <p:grpSp>
-        <p:nvGrpSpPr>
-          <p:cNvPr id="9" name="Группа 8"/>
-          <p:cNvGrpSpPr/>
-          <p:nvPr/>
-        </p:nvGrpSpPr>
-        <p:grpSpPr>
-          <a:xfrm>
-            <a:off x="240030" y="759941"/>
-            <a:ext cx="8583930" cy="83408"/>
-            <a:chOff x="240030" y="759941"/>
-            <a:chExt cx="8583930" cy="83408"/>
-          </a:xfrm>
-        </p:grpSpPr>
-        <p:cxnSp>
-          <p:nvCxnSpPr>
-            <p:cNvPr id="2" name="Прямая соединительная линия 1"/>
-            <p:cNvCxnSpPr/>
-            <p:nvPr/>
-          </p:nvCxnSpPr>
-          <p:spPr>
-            <a:xfrm>
-              <a:off x="560070" y="759941"/>
-              <a:ext cx="8263890" cy="0"/>
-            </a:xfrm>
-            <a:prstGeom prst="line">
-              <a:avLst/>
-            </a:prstGeom>
-            <a:ln w="76200" cap="flat" cmpd="sng" algn="ctr">
-              <a:solidFill>
-                <a:srgbClr val="0064B5"/>
-              </a:solidFill>
-              <a:prstDash val="solid"/>
-              <a:round/>
-              <a:headEnd type="none" w="med" len="sm"/>
-              <a:tailEnd type="none" w="med" len="sm"/>
-            </a:ln>
-          </p:spPr>
-          <p:style>
-            <a:lnRef idx="1">
-              <a:schemeClr val="accent1"/>
-            </a:lnRef>
-            <a:fillRef idx="0">
-              <a:schemeClr val="accent1"/>
-            </a:fillRef>
-            <a:effectRef idx="0">
-              <a:schemeClr val="accent1"/>
-            </a:effectRef>
-            <a:fontRef idx="minor">
-              <a:schemeClr val="tx1"/>
-            </a:fontRef>
-          </p:style>
-        </p:cxnSp>
-        <p:cxnSp>
-          <p:nvCxnSpPr>
-            <p:cNvPr id="3" name="Прямая соединительная линия 2"/>
-            <p:cNvCxnSpPr/>
-            <p:nvPr/>
-          </p:nvCxnSpPr>
-          <p:spPr>
-            <a:xfrm>
-              <a:off x="240030" y="843349"/>
-              <a:ext cx="8286750" cy="0"/>
-            </a:xfrm>
-            <a:prstGeom prst="line">
-              <a:avLst/>
-            </a:prstGeom>
-            <a:ln w="76200" cap="flat" cmpd="sng" algn="ctr">
-              <a:solidFill>
-                <a:srgbClr val="F5A200"/>
-              </a:solidFill>
-              <a:prstDash val="solid"/>
-              <a:round/>
-              <a:headEnd type="none" w="med" len="sm"/>
-              <a:tailEnd type="none" w="med" len="sm"/>
-            </a:ln>
-          </p:spPr>
-          <p:style>
-            <a:lnRef idx="1">
-              <a:schemeClr val="accent1"/>
-            </a:lnRef>
-            <a:fillRef idx="0">
-              <a:schemeClr val="accent1"/>
-            </a:fillRef>
-            <a:effectRef idx="0">
-              <a:schemeClr val="accent1"/>
-            </a:effectRef>
-            <a:fontRef idx="minor">
-              <a:schemeClr val="tx1"/>
-            </a:fontRef>
-          </p:style>
-        </p:cxnSp>
-      </p:grpSp>
-      <p:sp>
-        <p:nvSpPr>
-          <p:cNvPr id="5" name="TextBox 4"/>
-          <p:cNvSpPr txBox="1"/>
-          <p:nvPr/>
-        </p:nvSpPr>
-        <p:spPr>
-          <a:xfrm>
-            <a:off x="491506" y="135310"/>
-            <a:ext cx="8504712" cy="629326"/>
-          </a:xfrm>
-          <a:prstGeom prst="rect">
-            <a:avLst/>
-          </a:prstGeom>
-          <a:noFill/>
-        </p:spPr>
-        <p:txBody>
-          <a:bodyPr vert="horz" wrap="square" lIns="74600" tIns="37300" rIns="74600" bIns="37300" rtlCol="0">
-            <a:spAutoFit/>
-          </a:bodyPr>
-          <a:lstStyle/>
-          <a:p>
-            <a:r>
-              <a:rPr lang="ru-RU" sz="3600" b="1" dirty="0" smtClean="0">
-                <a:solidFill>
-                  <a:srgbClr val="0064B5"/>
-                </a:solidFill>
-                <a:latin typeface="Arial" pitchFamily="34" charset="0"/>
-                <a:cs typeface="Arial" pitchFamily="34" charset="0"/>
-              </a:rPr>
-              <a:t>Задание </a:t>
-            </a:r>
-            <a:r>
-              <a:rPr lang="en-US" sz="3600" b="1" dirty="0" smtClean="0">
-                <a:solidFill>
-                  <a:srgbClr val="0064B5"/>
-                </a:solidFill>
-                <a:latin typeface="Arial" pitchFamily="34" charset="0"/>
-                <a:cs typeface="Arial" pitchFamily="34" charset="0"/>
-              </a:rPr>
-              <a:t>3</a:t>
-            </a:r>
-            <a:endParaRPr lang="ru-RU" sz="3600" b="1" dirty="0">
-              <a:solidFill>
-                <a:srgbClr val="0064B5"/>
-              </a:solidFill>
-              <a:latin typeface="Arial" pitchFamily="34" charset="0"/>
-              <a:cs typeface="Arial" pitchFamily="34" charset="0"/>
-            </a:endParaRPr>
-          </a:p>
-        </p:txBody>
-      </p:sp>
-      <p:sp>
-        <p:nvSpPr>
-          <p:cNvPr id="4" name="Прямоугольник 3"/>
-          <p:cNvSpPr/>
-          <p:nvPr/>
-        </p:nvSpPr>
-        <p:spPr>
-          <a:xfrm>
-            <a:off x="174140" y="922063"/>
-            <a:ext cx="8649820" cy="3046988"/>
-          </a:xfrm>
-          <a:prstGeom prst="rect">
-            <a:avLst/>
-          </a:prstGeom>
-        </p:spPr>
-        <p:txBody>
-          <a:bodyPr wrap="square">
-            <a:spAutoFit/>
-          </a:bodyPr>
-          <a:lstStyle/>
-          <a:p>
-            <a:pPr marL="457200" indent="-457200">
-              <a:buAutoNum type="arabicPeriod"/>
-            </a:pPr>
-            <a:r>
-              <a:rPr lang="ru-RU" sz="2400" dirty="0" smtClean="0"/>
-              <a:t>Заполнить пропуски числовых данных из файла </a:t>
-            </a:r>
-            <a:r>
-              <a:rPr lang="en-US" sz="2400" dirty="0" smtClean="0"/>
-              <a:t>DataDay2.csv</a:t>
-            </a:r>
-            <a:r>
-              <a:rPr lang="ru-RU" sz="2400" dirty="0" smtClean="0"/>
-              <a:t>.</a:t>
-            </a:r>
-            <a:endParaRPr lang="en-US" sz="2400" dirty="0"/>
-          </a:p>
-          <a:p>
-            <a:pPr marL="457200" indent="-457200">
-              <a:buAutoNum type="arabicPeriod"/>
-            </a:pPr>
-            <a:r>
-              <a:rPr lang="ru-RU" sz="2400" dirty="0" smtClean="0"/>
-              <a:t>Построить линейную регрессию </a:t>
-            </a:r>
-            <a:r>
-              <a:rPr lang="en-US" sz="2400" dirty="0" smtClean="0"/>
-              <a:t>GDP </a:t>
-            </a:r>
-            <a:r>
-              <a:rPr lang="en-US" sz="2400" dirty="0"/>
-              <a:t>per capita=f(CO2 </a:t>
-            </a:r>
-            <a:r>
-              <a:rPr lang="en-US" sz="2400" dirty="0" smtClean="0"/>
-              <a:t>emission per 1000 person) </a:t>
-            </a:r>
-            <a:r>
-              <a:rPr lang="ru-RU" sz="2400" dirty="0" smtClean="0"/>
-              <a:t>для исходного набора и для набора </a:t>
-            </a:r>
-            <a:r>
-              <a:rPr lang="ru-RU" sz="2400" dirty="0" err="1" smtClean="0"/>
-              <a:t>логистически</a:t>
-            </a:r>
-            <a:r>
-              <a:rPr lang="ru-RU" sz="2400" dirty="0" smtClean="0"/>
-              <a:t> нормализованного.</a:t>
-            </a:r>
-          </a:p>
-          <a:p>
-            <a:r>
-              <a:rPr lang="ru-RU" sz="2400" dirty="0" smtClean="0"/>
-              <a:t>Посчитать значение </a:t>
-            </a:r>
-            <a:r>
-              <a:rPr lang="en-US" sz="2400" dirty="0"/>
-              <a:t>GDP per </a:t>
-            </a:r>
-            <a:r>
-              <a:rPr lang="en-US" sz="2400" dirty="0" smtClean="0"/>
-              <a:t>capita</a:t>
-            </a:r>
-            <a:r>
-              <a:rPr lang="ru-RU" sz="2400" dirty="0" smtClean="0"/>
-              <a:t> при </a:t>
-            </a:r>
-            <a:r>
-              <a:rPr lang="en-US" sz="2400" dirty="0" smtClean="0"/>
-              <a:t>CO2 </a:t>
-            </a:r>
-            <a:r>
-              <a:rPr lang="en-US" sz="2400" dirty="0"/>
-              <a:t>emission per </a:t>
-            </a:r>
-            <a:r>
-              <a:rPr lang="en-US" sz="2400" dirty="0" smtClean="0"/>
-              <a:t>1000 person</a:t>
-            </a:r>
-            <a:r>
-              <a:rPr lang="ru-RU" sz="2400" dirty="0" smtClean="0"/>
-              <a:t> = </a:t>
-            </a:r>
-            <a:r>
-              <a:rPr lang="en-US" sz="2400" dirty="0" smtClean="0"/>
-              <a:t>2. </a:t>
-            </a:r>
-            <a:r>
-              <a:rPr lang="ru-RU" sz="2400" dirty="0" smtClean="0"/>
-              <a:t>Сравнить результаты.</a:t>
-            </a:r>
-            <a:endParaRPr lang="en-US" sz="2400" dirty="0" smtClean="0"/>
-          </a:p>
-          <a:p>
-            <a:r>
-              <a:rPr lang="en-US" sz="2400" dirty="0" smtClean="0"/>
-              <a:t>3. </a:t>
-            </a:r>
-            <a:r>
-              <a:rPr lang="ru-RU" sz="2400" dirty="0" smtClean="0"/>
-              <a:t>Построить </a:t>
-            </a:r>
-            <a:r>
-              <a:rPr lang="en-US" sz="2400" dirty="0" smtClean="0"/>
-              <a:t>polar chart </a:t>
-            </a:r>
-            <a:r>
-              <a:rPr lang="ru-RU" sz="2400" dirty="0" smtClean="0"/>
-              <a:t>для Украины и любой другой европейской страны. </a:t>
-            </a:r>
-            <a:endParaRPr lang="ru-RU" sz="2400" dirty="0"/>
-          </a:p>
-        </p:txBody>
-      </p:sp>
-    </p:spTree>
-    <p:extLst>
-      <p:ext uri="{BB962C8B-B14F-4D97-AF65-F5344CB8AC3E}">
-        <p14:creationId xmlns:p14="http://schemas.microsoft.com/office/powerpoint/2010/main" val="2198083962"/>
       </p:ext>
     </p:extLst>
   </p:cSld>
